--- a/Power Forecast Optimization for Energy Operations.pptx
+++ b/Power Forecast Optimization for Energy Operations.pptx
@@ -297,7 +297,7 @@
       </p15:sldGuideLst>
     </p:ext>
     <p:ext uri="GoogleSlidesCustomDataVersion2">
-      <go:slidesCustomData xmlns="" xmlns:mc="http://schemas.openxmlformats.org/markup-compatibility/2006" xmlns:mv="urn:schemas-microsoft-com:mac:vml" xmlns:c="http://schemas.openxmlformats.org/drawingml/2006/chart" xmlns:dgm="http://schemas.openxmlformats.org/drawingml/2006/diagram" xmlns:o="urn:schemas-microsoft-com:office:office" xmlns:v="urn:schemas-microsoft-com:vml" xmlns:pvml="urn:schemas-microsoft-com:office:powerpoint" xmlns:com="http://schemas.openxmlformats.org/drawingml/2006/compatibility" xmlns:p14="http://schemas.microsoft.com/office/powerpoint/2010/main" xmlns:p15="http://schemas.microsoft.com/office/powerpoint/2012/main" xmlns:ahyp="http://schemas.microsoft.com/office/drawing/2018/hyperlinkcolor" xmlns:go="http://customooxmlschemas.google.com/" r:id="rId41" roundtripDataSignature="AMtx7mg1LtIcrf34hd8GqVTNBsRDCM86AQ=="/>
+      <go:slidesCustomData xmlns:go="http://customooxmlschemas.google.com/" xmlns:ahyp="http://schemas.microsoft.com/office/drawing/2018/hyperlinkcolor" xmlns:p15="http://schemas.microsoft.com/office/powerpoint/2012/main" xmlns:p14="http://schemas.microsoft.com/office/powerpoint/2010/main" xmlns:com="http://schemas.openxmlformats.org/drawingml/2006/compatibility" xmlns:pvml="urn:schemas-microsoft-com:office:powerpoint" xmlns:v="urn:schemas-microsoft-com:vml" xmlns:o="urn:schemas-microsoft-com:office:office" xmlns:dgm="http://schemas.openxmlformats.org/drawingml/2006/diagram" xmlns:c="http://schemas.openxmlformats.org/drawingml/2006/chart" xmlns:mv="urn:schemas-microsoft-com:mac:vml" xmlns:mc="http://schemas.openxmlformats.org/markup-compatibility/2006" xmlns="" r:id="rId41" roundtripDataSignature="AMtx7mg1LtIcrf34hd8GqVTNBsRDCM86AQ=="/>
     </p:ext>
   </p:extLst>
 </p:presentation>
@@ -34312,7 +34312,7 @@
         </p:spPr>
         <p:txBody>
           <a:bodyPr spcFirstLastPara="1" wrap="square" lIns="91425" tIns="45700" rIns="91425" bIns="45700" anchor="t" anchorCtr="0">
-            <a:normAutofit lnSpcReduction="10000"/>
+            <a:normAutofit fontScale="92500" lnSpcReduction="10000"/>
           </a:bodyPr>
           <a:lstStyle/>
           <a:p>
@@ -34447,15 +34447,14 @@
               <a:t>Code - </a:t>
             </a:r>
             <a:r>
-              <a:rPr lang="en-US" sz="2000" u="sng" dirty="0">
+              <a:rPr lang="en-US" sz="1700" u="sng" dirty="0">
                 <a:solidFill>
                   <a:schemeClr val="hlink"/>
                 </a:solidFill>
-                <a:hlinkClick r:id="rId5"/>
               </a:rPr>
-              <a:t>https://github.com/gitmnikhil/capstoneproject</a:t>
+              <a:t>https://github.com/rnegi0/Power-Forecast-Optimization-for-Energy-Operations</a:t>
             </a:r>
-            <a:endParaRPr sz="2000" dirty="0"/>
+            <a:endParaRPr sz="1700" dirty="0"/>
           </a:p>
         </p:txBody>
       </p:sp>
